--- a/HW4/מצגת1.pptx
+++ b/HW4/מצגת1.pptx
@@ -104,6 +104,11 @@
       </a:defRPr>
     </a:lvl9pPr>
   </p:defaultTextStyle>
+  <p:extLst>
+    <p:ext uri="{EFAFB233-063F-42B5-8137-9DF3F51BA10A}">
+      <p15:sldGuideLst xmlns:p15="http://schemas.microsoft.com/office/powerpoint/2012/main"/>
+    </p:ext>
+  </p:extLst>
 </p:presentation>
 </file>
 
@@ -238,7 +243,7 @@
           <a:p>
             <a:fld id="{D18084A4-AABE-4D3C-8CF6-394267FD4ECE}" type="datetimeFigureOut">
               <a:rPr lang="he-IL" smtClean="0"/>
-              <a:t>ד'/תמוז/תשפ"ג</a:t>
+              <a:t>י"ב/תמוז/תשפ"ג</a:t>
             </a:fld>
             <a:endParaRPr lang="he-IL"/>
           </a:p>
@@ -408,7 +413,7 @@
           <a:p>
             <a:fld id="{D18084A4-AABE-4D3C-8CF6-394267FD4ECE}" type="datetimeFigureOut">
               <a:rPr lang="he-IL" smtClean="0"/>
-              <a:t>ד'/תמוז/תשפ"ג</a:t>
+              <a:t>י"ב/תמוז/תשפ"ג</a:t>
             </a:fld>
             <a:endParaRPr lang="he-IL"/>
           </a:p>
@@ -588,7 +593,7 @@
           <a:p>
             <a:fld id="{D18084A4-AABE-4D3C-8CF6-394267FD4ECE}" type="datetimeFigureOut">
               <a:rPr lang="he-IL" smtClean="0"/>
-              <a:t>ד'/תמוז/תשפ"ג</a:t>
+              <a:t>י"ב/תמוז/תשפ"ג</a:t>
             </a:fld>
             <a:endParaRPr lang="he-IL"/>
           </a:p>
@@ -758,7 +763,7 @@
           <a:p>
             <a:fld id="{D18084A4-AABE-4D3C-8CF6-394267FD4ECE}" type="datetimeFigureOut">
               <a:rPr lang="he-IL" smtClean="0"/>
-              <a:t>ד'/תמוז/תשפ"ג</a:t>
+              <a:t>י"ב/תמוז/תשפ"ג</a:t>
             </a:fld>
             <a:endParaRPr lang="he-IL"/>
           </a:p>
@@ -1004,7 +1009,7 @@
           <a:p>
             <a:fld id="{D18084A4-AABE-4D3C-8CF6-394267FD4ECE}" type="datetimeFigureOut">
               <a:rPr lang="he-IL" smtClean="0"/>
-              <a:t>ד'/תמוז/תשפ"ג</a:t>
+              <a:t>י"ב/תמוז/תשפ"ג</a:t>
             </a:fld>
             <a:endParaRPr lang="he-IL"/>
           </a:p>
@@ -1236,7 +1241,7 @@
           <a:p>
             <a:fld id="{D18084A4-AABE-4D3C-8CF6-394267FD4ECE}" type="datetimeFigureOut">
               <a:rPr lang="he-IL" smtClean="0"/>
-              <a:t>ד'/תמוז/תשפ"ג</a:t>
+              <a:t>י"ב/תמוז/תשפ"ג</a:t>
             </a:fld>
             <a:endParaRPr lang="he-IL"/>
           </a:p>
@@ -1603,7 +1608,7 @@
           <a:p>
             <a:fld id="{D18084A4-AABE-4D3C-8CF6-394267FD4ECE}" type="datetimeFigureOut">
               <a:rPr lang="he-IL" smtClean="0"/>
-              <a:t>ד'/תמוז/תשפ"ג</a:t>
+              <a:t>י"ב/תמוז/תשפ"ג</a:t>
             </a:fld>
             <a:endParaRPr lang="he-IL"/>
           </a:p>
@@ -1721,7 +1726,7 @@
           <a:p>
             <a:fld id="{D18084A4-AABE-4D3C-8CF6-394267FD4ECE}" type="datetimeFigureOut">
               <a:rPr lang="he-IL" smtClean="0"/>
-              <a:t>ד'/תמוז/תשפ"ג</a:t>
+              <a:t>י"ב/תמוז/תשפ"ג</a:t>
             </a:fld>
             <a:endParaRPr lang="he-IL"/>
           </a:p>
@@ -1816,7 +1821,7 @@
           <a:p>
             <a:fld id="{D18084A4-AABE-4D3C-8CF6-394267FD4ECE}" type="datetimeFigureOut">
               <a:rPr lang="he-IL" smtClean="0"/>
-              <a:t>ד'/תמוז/תשפ"ג</a:t>
+              <a:t>י"ב/תמוז/תשפ"ג</a:t>
             </a:fld>
             <a:endParaRPr lang="he-IL"/>
           </a:p>
@@ -2093,7 +2098,7 @@
           <a:p>
             <a:fld id="{D18084A4-AABE-4D3C-8CF6-394267FD4ECE}" type="datetimeFigureOut">
               <a:rPr lang="he-IL" smtClean="0"/>
-              <a:t>ד'/תמוז/תשפ"ג</a:t>
+              <a:t>י"ב/תמוז/תשפ"ג</a:t>
             </a:fld>
             <a:endParaRPr lang="he-IL"/>
           </a:p>
@@ -2346,7 +2351,7 @@
           <a:p>
             <a:fld id="{D18084A4-AABE-4D3C-8CF6-394267FD4ECE}" type="datetimeFigureOut">
               <a:rPr lang="he-IL" smtClean="0"/>
-              <a:t>ד'/תמוז/תשפ"ג</a:t>
+              <a:t>י"ב/תמוז/תשפ"ג</a:t>
             </a:fld>
             <a:endParaRPr lang="he-IL"/>
           </a:p>
@@ -2559,7 +2564,7 @@
           <a:p>
             <a:fld id="{D18084A4-AABE-4D3C-8CF6-394267FD4ECE}" type="datetimeFigureOut">
               <a:rPr lang="he-IL" smtClean="0"/>
-              <a:t>ד'/תמוז/תשפ"ג</a:t>
+              <a:t>י"ב/תמוז/תשפ"ג</a:t>
             </a:fld>
             <a:endParaRPr lang="he-IL"/>
           </a:p>
@@ -2973,14 +2978,14 @@
           <p:nvPr>
             <p:extLst>
               <p:ext uri="{D42A27DB-BD31-4B8C-83A1-F6EECF244321}">
-                <p14:modId xmlns:p14="http://schemas.microsoft.com/office/powerpoint/2010/main" val="1466832530"/>
+                <p14:modId xmlns:p14="http://schemas.microsoft.com/office/powerpoint/2010/main" val="2890450274"/>
               </p:ext>
             </p:extLst>
           </p:nvPr>
         </p:nvGraphicFramePr>
         <p:xfrm>
           <a:off x="3176338" y="-2903622"/>
-          <a:ext cx="4395683" cy="11436416"/>
+          <a:ext cx="4395683" cy="8622632"/>
         </p:xfrm>
         <a:graphic>
           <a:graphicData uri="http://schemas.openxmlformats.org/drawingml/2006/table">
@@ -2991,95 +2996,6 @@
               <a:tblGrid>
                 <a:gridCol w="4395683"/>
               </a:tblGrid>
-              <a:tr h="482867">
-                <a:tc>
-                  <a:txBody>
-                    <a:bodyPr/>
-                    <a:lstStyle/>
-                    <a:p>
-                      <a:pPr algn="ctr" rtl="0"/>
-                      <a:endParaRPr lang="he-IL" sz="1800" b="0" dirty="0"/>
-                    </a:p>
-                  </a:txBody>
-                  <a:tcPr/>
-                </a:tc>
-              </a:tr>
-              <a:tr h="482867">
-                <a:tc>
-                  <a:txBody>
-                    <a:bodyPr/>
-                    <a:lstStyle/>
-                    <a:p>
-                      <a:pPr algn="ctr" rtl="0"/>
-                      <a:endParaRPr lang="he-IL" sz="1800" b="0" dirty="0"/>
-                    </a:p>
-                  </a:txBody>
-                  <a:tcPr/>
-                </a:tc>
-              </a:tr>
-              <a:tr h="482867">
-                <a:tc>
-                  <a:txBody>
-                    <a:bodyPr/>
-                    <a:lstStyle/>
-                    <a:p>
-                      <a:pPr algn="ctr" rtl="0"/>
-                      <a:r>
-                        <a:rPr lang="en-US" sz="1800" b="0" dirty="0" smtClean="0"/>
-                        <a:t>0x</a:t>
-                      </a:r>
-                      <a:r>
-                        <a:rPr lang="en-US" dirty="0" smtClean="0"/>
-                        <a:t>9ad9e71c - ret</a:t>
-                      </a:r>
-                      <a:endParaRPr lang="he-IL" sz="1800" b="0" dirty="0"/>
-                    </a:p>
-                  </a:txBody>
-                  <a:tcPr/>
-                </a:tc>
-              </a:tr>
-              <a:tr h="482867">
-                <a:tc>
-                  <a:txBody>
-                    <a:bodyPr/>
-                    <a:lstStyle/>
-                    <a:p>
-                      <a:pPr algn="ctr" rtl="0"/>
-                      <a:r>
-                        <a:rPr lang="en-US" dirty="0" smtClean="0"/>
-                        <a:t>0x9ad9e71a – pop </a:t>
-                      </a:r>
-                      <a:r>
-                        <a:rPr lang="en-US" dirty="0" err="1" smtClean="0"/>
-                        <a:t>ebp</a:t>
-                      </a:r>
-                      <a:endParaRPr lang="he-IL" sz="1800" b="0" dirty="0"/>
-                    </a:p>
-                  </a:txBody>
-                  <a:tcPr/>
-                </a:tc>
-              </a:tr>
-              <a:tr h="482867">
-                <a:tc>
-                  <a:txBody>
-                    <a:bodyPr/>
-                    <a:lstStyle/>
-                    <a:p>
-                      <a:pPr algn="ctr" rtl="0"/>
-                      <a:r>
-                        <a:rPr lang="en-US" dirty="0" smtClean="0"/>
-                        <a:t>0x9ad9e713 – pop </a:t>
-                      </a:r>
-                      <a:r>
-                        <a:rPr lang="en-US" dirty="0" err="1" smtClean="0"/>
-                        <a:t>ebx</a:t>
-                      </a:r>
-                      <a:endParaRPr lang="he-IL" sz="1800" b="0" dirty="0"/>
-                    </a:p>
-                  </a:txBody>
-                  <a:tcPr/>
-                </a:tc>
-              </a:tr>
               <a:tr h="482867">
                 <a:tc>
                   <a:txBody>
@@ -3184,35 +3100,6 @@
                           </a:solidFill>
                         </a:rPr>
                         <a:t>dwSize</a:t>
-                      </a:r>
-                      <a:endParaRPr lang="he-IL" sz="1800" b="0" dirty="0">
-                        <a:solidFill>
-                          <a:schemeClr val="tx1"/>
-                        </a:solidFill>
-                      </a:endParaRPr>
-                    </a:p>
-                  </a:txBody>
-                  <a:tcPr/>
-                </a:tc>
-              </a:tr>
-              <a:tr h="399449">
-                <a:tc>
-                  <a:txBody>
-                    <a:bodyPr/>
-                    <a:lstStyle/>
-                    <a:p>
-                      <a:pPr algn="ctr" rtl="0"/>
-                      <a:r>
-                        <a:rPr lang="en-US" sz="1800" b="0" dirty="0" smtClean="0">
-                          <a:solidFill>
-                            <a:schemeClr val="tx1"/>
-                          </a:solidFill>
-                        </a:rPr>
-                        <a:t>0x</a:t>
-                      </a:r>
-                      <a:r>
-                        <a:rPr lang="en-US" dirty="0" smtClean="0"/>
-                        <a:t>9ad9e713 - ret</a:t>
                       </a:r>
                       <a:endParaRPr lang="he-IL" sz="1800" b="0" dirty="0">
                         <a:solidFill>

--- a/HW4/מצגת1.pptx
+++ b/HW4/מצגת1.pptx
@@ -243,7 +243,7 @@
           <a:p>
             <a:fld id="{D18084A4-AABE-4D3C-8CF6-394267FD4ECE}" type="datetimeFigureOut">
               <a:rPr lang="he-IL" smtClean="0"/>
-              <a:t>י"ב/תמוז/תשפ"ג</a:t>
+              <a:t>י"ח/תמוז/תשפ"ג</a:t>
             </a:fld>
             <a:endParaRPr lang="he-IL"/>
           </a:p>
@@ -413,7 +413,7 @@
           <a:p>
             <a:fld id="{D18084A4-AABE-4D3C-8CF6-394267FD4ECE}" type="datetimeFigureOut">
               <a:rPr lang="he-IL" smtClean="0"/>
-              <a:t>י"ב/תמוז/תשפ"ג</a:t>
+              <a:t>י"ח/תמוז/תשפ"ג</a:t>
             </a:fld>
             <a:endParaRPr lang="he-IL"/>
           </a:p>
@@ -593,7 +593,7 @@
           <a:p>
             <a:fld id="{D18084A4-AABE-4D3C-8CF6-394267FD4ECE}" type="datetimeFigureOut">
               <a:rPr lang="he-IL" smtClean="0"/>
-              <a:t>י"ב/תמוז/תשפ"ג</a:t>
+              <a:t>י"ח/תמוז/תשפ"ג</a:t>
             </a:fld>
             <a:endParaRPr lang="he-IL"/>
           </a:p>
@@ -763,7 +763,7 @@
           <a:p>
             <a:fld id="{D18084A4-AABE-4D3C-8CF6-394267FD4ECE}" type="datetimeFigureOut">
               <a:rPr lang="he-IL" smtClean="0"/>
-              <a:t>י"ב/תמוז/תשפ"ג</a:t>
+              <a:t>י"ח/תמוז/תשפ"ג</a:t>
             </a:fld>
             <a:endParaRPr lang="he-IL"/>
           </a:p>
@@ -1009,7 +1009,7 @@
           <a:p>
             <a:fld id="{D18084A4-AABE-4D3C-8CF6-394267FD4ECE}" type="datetimeFigureOut">
               <a:rPr lang="he-IL" smtClean="0"/>
-              <a:t>י"ב/תמוז/תשפ"ג</a:t>
+              <a:t>י"ח/תמוז/תשפ"ג</a:t>
             </a:fld>
             <a:endParaRPr lang="he-IL"/>
           </a:p>
@@ -1241,7 +1241,7 @@
           <a:p>
             <a:fld id="{D18084A4-AABE-4D3C-8CF6-394267FD4ECE}" type="datetimeFigureOut">
               <a:rPr lang="he-IL" smtClean="0"/>
-              <a:t>י"ב/תמוז/תשפ"ג</a:t>
+              <a:t>י"ח/תמוז/תשפ"ג</a:t>
             </a:fld>
             <a:endParaRPr lang="he-IL"/>
           </a:p>
@@ -1608,7 +1608,7 @@
           <a:p>
             <a:fld id="{D18084A4-AABE-4D3C-8CF6-394267FD4ECE}" type="datetimeFigureOut">
               <a:rPr lang="he-IL" smtClean="0"/>
-              <a:t>י"ב/תמוז/תשפ"ג</a:t>
+              <a:t>י"ח/תמוז/תשפ"ג</a:t>
             </a:fld>
             <a:endParaRPr lang="he-IL"/>
           </a:p>
@@ -1726,7 +1726,7 @@
           <a:p>
             <a:fld id="{D18084A4-AABE-4D3C-8CF6-394267FD4ECE}" type="datetimeFigureOut">
               <a:rPr lang="he-IL" smtClean="0"/>
-              <a:t>י"ב/תמוז/תשפ"ג</a:t>
+              <a:t>י"ח/תמוז/תשפ"ג</a:t>
             </a:fld>
             <a:endParaRPr lang="he-IL"/>
           </a:p>
@@ -1821,7 +1821,7 @@
           <a:p>
             <a:fld id="{D18084A4-AABE-4D3C-8CF6-394267FD4ECE}" type="datetimeFigureOut">
               <a:rPr lang="he-IL" smtClean="0"/>
-              <a:t>י"ב/תמוז/תשפ"ג</a:t>
+              <a:t>י"ח/תמוז/תשפ"ג</a:t>
             </a:fld>
             <a:endParaRPr lang="he-IL"/>
           </a:p>
@@ -2098,7 +2098,7 @@
           <a:p>
             <a:fld id="{D18084A4-AABE-4D3C-8CF6-394267FD4ECE}" type="datetimeFigureOut">
               <a:rPr lang="he-IL" smtClean="0"/>
-              <a:t>י"ב/תמוז/תשפ"ג</a:t>
+              <a:t>י"ח/תמוז/תשפ"ג</a:t>
             </a:fld>
             <a:endParaRPr lang="he-IL"/>
           </a:p>
@@ -2351,7 +2351,7 @@
           <a:p>
             <a:fld id="{D18084A4-AABE-4D3C-8CF6-394267FD4ECE}" type="datetimeFigureOut">
               <a:rPr lang="he-IL" smtClean="0"/>
-              <a:t>י"ב/תמוז/תשפ"ג</a:t>
+              <a:t>י"ח/תמוז/תשפ"ג</a:t>
             </a:fld>
             <a:endParaRPr lang="he-IL"/>
           </a:p>
@@ -2564,7 +2564,7 @@
           <a:p>
             <a:fld id="{D18084A4-AABE-4D3C-8CF6-394267FD4ECE}" type="datetimeFigureOut">
               <a:rPr lang="he-IL" smtClean="0"/>
-              <a:t>י"ב/תמוז/תשפ"ג</a:t>
+              <a:t>י"ח/תמוז/תשפ"ג</a:t>
             </a:fld>
             <a:endParaRPr lang="he-IL"/>
           </a:p>
@@ -2971,71 +2971,200 @@
       </p:grpSpPr>
       <p:graphicFrame>
         <p:nvGraphicFramePr>
-          <p:cNvPr id="4" name="טבלה 3"/>
+          <p:cNvPr id="3" name="טבלה 2"/>
           <p:cNvGraphicFramePr>
             <a:graphicFrameLocks noGrp="1"/>
           </p:cNvGraphicFramePr>
           <p:nvPr>
             <p:extLst>
               <p:ext uri="{D42A27DB-BD31-4B8C-83A1-F6EECF244321}">
-                <p14:modId xmlns:p14="http://schemas.microsoft.com/office/powerpoint/2010/main" val="2890450274"/>
+                <p14:modId xmlns:p14="http://schemas.microsoft.com/office/powerpoint/2010/main" val="1365665870"/>
               </p:ext>
             </p:extLst>
           </p:nvPr>
         </p:nvGraphicFramePr>
         <p:xfrm>
-          <a:off x="3176338" y="-2903622"/>
-          <a:ext cx="4395683" cy="8622632"/>
+          <a:off x="4331368" y="-974592"/>
+          <a:ext cx="2944598" cy="6800032"/>
         </p:xfrm>
         <a:graphic>
           <a:graphicData uri="http://schemas.openxmlformats.org/drawingml/2006/table">
             <a:tbl>
               <a:tblPr rtl="1" firstRow="1" bandRow="1">
-                <a:tableStyleId>{9D7B26C5-4107-4FEC-AEDC-1716B250A1EF}</a:tableStyleId>
+                <a:tableStyleId>{5C22544A-7EE6-4342-B048-85BDC9FD1C3A}</a:tableStyleId>
               </a:tblPr>
               <a:tblGrid>
-                <a:gridCol w="4395683"/>
+                <a:gridCol w="2944598"/>
               </a:tblGrid>
-              <a:tr h="482867">
+              <a:tr h="200645">
                 <a:tc>
                   <a:txBody>
                     <a:bodyPr/>
                     <a:lstStyle/>
                     <a:p>
-                      <a:pPr algn="ctr" rtl="0"/>
+                      <a:pPr marL="0" marR="0" algn="r" rtl="1">
+                        <a:lnSpc>
+                          <a:spcPct val="107000"/>
+                        </a:lnSpc>
+                        <a:spcBef>
+                          <a:spcPts val="0"/>
+                        </a:spcBef>
+                        <a:spcAft>
+                          <a:spcPts val="800"/>
+                        </a:spcAft>
+                      </a:pPr>
                       <a:r>
-                        <a:rPr lang="en-US" sz="1800" b="0" dirty="0" smtClean="0"/>
-                        <a:t>0x</a:t>
+                        <a:rPr lang="en-US" sz="1400" kern="100" dirty="0" smtClean="0">
+                          <a:effectLst/>
+                        </a:rPr>
+                        <a:t>0x20202020 - </a:t>
                       </a:r>
                       <a:r>
-                        <a:rPr lang="en-US" sz="1800" b="0" baseline="0" dirty="0" smtClean="0"/>
-                        <a:t>20202020 - </a:t>
-                      </a:r>
-                      <a:r>
-                        <a:rPr lang="en-US" sz="1800" b="0" baseline="0" dirty="0" err="1" smtClean="0"/>
+                        <a:rPr lang="en-US" sz="1400" kern="100" dirty="0" err="1" smtClean="0">
+                          <a:effectLst/>
+                        </a:rPr>
                         <a:t>lpfOldProtect</a:t>
                       </a:r>
-                      <a:endParaRPr lang="he-IL" sz="1800" b="0" dirty="0"/>
+                      <a:endParaRPr lang="en-US" sz="1400" kern="100" dirty="0">
+                        <a:effectLst/>
+                        <a:latin typeface="Calibri" panose="020F0502020204030204" pitchFamily="34" charset="0"/>
+                        <a:ea typeface="Calibri" panose="020F0502020204030204" pitchFamily="34" charset="0"/>
+                        <a:cs typeface="Arial" panose="020B0604020202020204" pitchFamily="34" charset="0"/>
+                      </a:endParaRPr>
                     </a:p>
                   </a:txBody>
-                  <a:tcPr/>
+                  <a:tcPr marL="62002" marR="62002" marT="31001" marB="31001"/>
                 </a:tc>
               </a:tr>
-              <a:tr h="482867">
+              <a:tr h="183638">
                 <a:tc>
                   <a:txBody>
                     <a:bodyPr/>
                     <a:lstStyle/>
                     <a:p>
-                      <a:pPr marL="0" marR="0" indent="0" algn="ctr" defTabSz="914400" rtl="0" eaLnBrk="1" fontAlgn="auto" latinLnBrk="0" hangingPunct="1">
+                      <a:pPr marL="0" marR="0" algn="r" rtl="1">
                         <a:lnSpc>
-                          <a:spcPct val="100000"/>
+                          <a:spcPct val="107000"/>
                         </a:lnSpc>
                         <a:spcBef>
                           <a:spcPts val="0"/>
                         </a:spcBef>
                         <a:spcAft>
+                          <a:spcPts val="800"/>
+                        </a:spcAft>
+                      </a:pPr>
+                      <a:r>
+                        <a:rPr lang="en-US" sz="1400" kern="100" dirty="0" smtClean="0">
+                          <a:effectLst/>
+                        </a:rPr>
+                        <a:t>0x00000040 – </a:t>
+                      </a:r>
+                      <a:r>
+                        <a:rPr lang="en-US" sz="1400" kern="100" dirty="0" err="1" smtClean="0">
+                          <a:effectLst/>
+                        </a:rPr>
+                        <a:t>flNewProtect</a:t>
+                      </a:r>
+                      <a:endParaRPr lang="en-US" sz="1400" kern="100" dirty="0">
+                        <a:effectLst/>
+                        <a:latin typeface="Calibri" panose="020F0502020204030204" pitchFamily="34" charset="0"/>
+                        <a:ea typeface="Calibri" panose="020F0502020204030204" pitchFamily="34" charset="0"/>
+                        <a:cs typeface="Arial" panose="020B0604020202020204" pitchFamily="34" charset="0"/>
+                      </a:endParaRPr>
+                    </a:p>
+                  </a:txBody>
+                  <a:tcPr marL="62002" marR="62002" marT="31001" marB="31001"/>
+                </a:tc>
+              </a:tr>
+              <a:tr h="183638">
+                <a:tc>
+                  <a:txBody>
+                    <a:bodyPr/>
+                    <a:lstStyle/>
+                    <a:p>
+                      <a:pPr marL="0" marR="0" algn="r" rtl="0">
+                        <a:lnSpc>
+                          <a:spcPct val="107000"/>
+                        </a:lnSpc>
+                        <a:spcBef>
                           <a:spcPts val="0"/>
+                        </a:spcBef>
+                        <a:spcAft>
+                          <a:spcPts val="800"/>
+                        </a:spcAft>
+                      </a:pPr>
+                      <a:r>
+                        <a:rPr lang="en-US" sz="1400" kern="100" dirty="0" smtClean="0">
+                          <a:effectLst/>
+                        </a:rPr>
+                        <a:t>0x00001000 – </a:t>
+                      </a:r>
+                      <a:r>
+                        <a:rPr lang="en-US" sz="1400" kern="100" dirty="0" err="1" smtClean="0">
+                          <a:effectLst/>
+                        </a:rPr>
+                        <a:t>dwSize</a:t>
+                      </a:r>
+                      <a:endParaRPr lang="en-US" sz="1400" kern="100" dirty="0">
+                        <a:effectLst/>
+                        <a:latin typeface="Calibri" panose="020F0502020204030204" pitchFamily="34" charset="0"/>
+                        <a:ea typeface="Calibri" panose="020F0502020204030204" pitchFamily="34" charset="0"/>
+                        <a:cs typeface="Arial" panose="020B0604020202020204" pitchFamily="34" charset="0"/>
+                      </a:endParaRPr>
+                    </a:p>
+                  </a:txBody>
+                  <a:tcPr marL="62002" marR="62002" marT="31001" marB="31001"/>
+                </a:tc>
+              </a:tr>
+              <a:tr h="183638">
+                <a:tc>
+                  <a:txBody>
+                    <a:bodyPr/>
+                    <a:lstStyle/>
+                    <a:p>
+                      <a:pPr marL="0" marR="0" algn="r" rtl="0">
+                        <a:lnSpc>
+                          <a:spcPct val="107000"/>
+                        </a:lnSpc>
+                        <a:spcBef>
+                          <a:spcPts val="0"/>
+                        </a:spcBef>
+                        <a:spcAft>
+                          <a:spcPts val="800"/>
+                        </a:spcAft>
+                      </a:pPr>
+                      <a:r>
+                        <a:rPr lang="en-US" sz="1400" kern="100" dirty="0" smtClean="0">
+                          <a:effectLst/>
+                        </a:rPr>
+                        <a:t>0x9ad9e71c - ret</a:t>
+                      </a:r>
+                      <a:endParaRPr lang="en-US" sz="1400" kern="100" dirty="0">
+                        <a:effectLst/>
+                        <a:latin typeface="Calibri" panose="020F0502020204030204" pitchFamily="34" charset="0"/>
+                        <a:ea typeface="Calibri" panose="020F0502020204030204" pitchFamily="34" charset="0"/>
+                        <a:cs typeface="Arial" panose="020B0604020202020204" pitchFamily="34" charset="0"/>
+                      </a:endParaRPr>
+                    </a:p>
+                  </a:txBody>
+                  <a:tcPr marL="62002" marR="62002" marT="31001" marB="31001"/>
+                </a:tc>
+              </a:tr>
+              <a:tr h="183638">
+                <a:tc>
+                  <a:txBody>
+                    <a:bodyPr/>
+                    <a:lstStyle/>
+                    <a:p>
+                      <a:pPr marL="0" marR="0" indent="0" algn="r" defTabSz="914400" rtl="0" eaLnBrk="1" fontAlgn="auto" latinLnBrk="0" hangingPunct="1">
+                        <a:lnSpc>
+                          <a:spcPct val="107000"/>
+                        </a:lnSpc>
+                        <a:spcBef>
+                          <a:spcPts val="0"/>
+                        </a:spcBef>
+                        <a:spcAft>
+                          <a:spcPts val="800"/>
                         </a:spcAft>
                         <a:buClrTx/>
                         <a:buSzTx/>
@@ -3045,116 +3174,105 @@
                         <a:defRPr/>
                       </a:pPr>
                       <a:r>
-                        <a:rPr lang="en-US" sz="1800" b="0" dirty="0" smtClean="0">
-                          <a:solidFill>
-                            <a:schemeClr val="tx1"/>
-                          </a:solidFill>
+                        <a:rPr lang="en-US" sz="1400" kern="100" dirty="0" err="1" smtClean="0">
+                          <a:effectLst/>
                         </a:rPr>
-                        <a:t>0x00000040</a:t>
+                        <a:t>VirtualProtect_Address</a:t>
+                      </a:r>
+                      <a:endParaRPr lang="en-US" sz="1400" kern="100" dirty="0" smtClean="0">
+                        <a:effectLst/>
+                      </a:endParaRPr>
+                    </a:p>
+                    <a:p>
+                      <a:pPr marL="0" marR="0" algn="r" rtl="0">
+                        <a:lnSpc>
+                          <a:spcPct val="107000"/>
+                        </a:lnSpc>
+                        <a:spcBef>
+                          <a:spcPts val="0"/>
+                        </a:spcBef>
+                        <a:spcAft>
+                          <a:spcPts val="800"/>
+                        </a:spcAft>
+                      </a:pPr>
+                      <a:r>
+                        <a:rPr lang="en-US" sz="1400" kern="100" dirty="0" smtClean="0">
+                          <a:effectLst/>
+                        </a:rPr>
+                        <a:t>- pop </a:t>
                       </a:r>
                       <a:r>
-                        <a:rPr lang="en-US" sz="1800" b="0" baseline="0" dirty="0" smtClean="0">
-                          <a:solidFill>
-                            <a:schemeClr val="tx1"/>
-                          </a:solidFill>
+                        <a:rPr lang="en-US" sz="1400" kern="100" dirty="0" err="1" smtClean="0">
+                          <a:effectLst/>
                         </a:rPr>
-                        <a:t> – </a:t>
+                        <a:t>ebx</a:t>
                       </a:r>
-                      <a:r>
-                        <a:rPr lang="en-US" sz="1800" b="0" baseline="0" dirty="0" err="1" smtClean="0">
-                          <a:solidFill>
-                            <a:schemeClr val="tx1"/>
-                          </a:solidFill>
-                        </a:rPr>
-                        <a:t>flNewProtect</a:t>
-                      </a:r>
-                      <a:endParaRPr lang="he-IL" sz="1800" b="0" dirty="0" smtClean="0">
-                        <a:solidFill>
-                          <a:schemeClr val="tx1"/>
-                        </a:solidFill>
+                      <a:endParaRPr lang="en-US" sz="1400" kern="100" dirty="0">
+                        <a:effectLst/>
+                        <a:latin typeface="Calibri" panose="020F0502020204030204" pitchFamily="34" charset="0"/>
+                        <a:ea typeface="Calibri" panose="020F0502020204030204" pitchFamily="34" charset="0"/>
+                        <a:cs typeface="Arial" panose="020B0604020202020204" pitchFamily="34" charset="0"/>
                       </a:endParaRPr>
                     </a:p>
                   </a:txBody>
-                  <a:tcPr/>
+                  <a:tcPr marL="62002" marR="62002" marT="31001" marB="31001"/>
                 </a:tc>
               </a:tr>
-              <a:tr h="399449">
+              <a:tr h="374165">
                 <a:tc>
                   <a:txBody>
                     <a:bodyPr/>
                     <a:lstStyle/>
                     <a:p>
-                      <a:pPr algn="ctr" rtl="0"/>
+                      <a:pPr marL="0" marR="0" algn="r" rtl="1">
+                        <a:lnSpc>
+                          <a:spcPct val="107000"/>
+                        </a:lnSpc>
+                        <a:spcBef>
+                          <a:spcPts val="0"/>
+                        </a:spcBef>
+                        <a:spcAft>
+                          <a:spcPts val="800"/>
+                        </a:spcAft>
+                      </a:pPr>
                       <a:r>
-                        <a:rPr lang="en-US" sz="1800" b="0" dirty="0" smtClean="0">
-                          <a:solidFill>
-                            <a:schemeClr val="tx1"/>
-                          </a:solidFill>
+                        <a:rPr lang="en-US" sz="1400" kern="100" dirty="0" smtClean="0">
+                          <a:effectLst/>
                         </a:rPr>
-                        <a:t>0x00001000 – </a:t>
+                        <a:t>0x9ad9e71c - pop </a:t>
                       </a:r>
                       <a:r>
-                        <a:rPr lang="en-US" sz="1800" b="0" dirty="0" err="1" smtClean="0">
-                          <a:solidFill>
-                            <a:schemeClr val="tx1"/>
-                          </a:solidFill>
+                        <a:rPr lang="en-US" sz="1400" kern="100" dirty="0" err="1" smtClean="0">
+                          <a:effectLst/>
                         </a:rPr>
-                        <a:t>dwSize</a:t>
+                        <a:t>ecx</a:t>
                       </a:r>
-                      <a:endParaRPr lang="he-IL" sz="1800" b="0" dirty="0">
-                        <a:solidFill>
-                          <a:schemeClr val="tx1"/>
-                        </a:solidFill>
+                      <a:endParaRPr lang="en-US" sz="1400" kern="100" dirty="0">
+                        <a:effectLst/>
+                        <a:latin typeface="Calibri" panose="020F0502020204030204" pitchFamily="34" charset="0"/>
+                        <a:ea typeface="Calibri" panose="020F0502020204030204" pitchFamily="34" charset="0"/>
+                        <a:cs typeface="Arial" panose="020B0604020202020204" pitchFamily="34" charset="0"/>
                       </a:endParaRPr>
                     </a:p>
                   </a:txBody>
-                  <a:tcPr/>
+                  <a:tcPr marL="62002" marR="62002" marT="31001" marB="31001"/>
                 </a:tc>
               </a:tr>
-              <a:tr h="399449">
+              <a:tr h="235521">
                 <a:tc>
                   <a:txBody>
                     <a:bodyPr/>
                     <a:lstStyle/>
                     <a:p>
-                      <a:pPr algn="ctr" rtl="0"/>
-                      <a:r>
-                        <a:rPr lang="en-US" sz="1800" b="0" dirty="0" smtClean="0">
-                          <a:solidFill>
-                            <a:schemeClr val="tx1"/>
-                          </a:solidFill>
-                        </a:rPr>
-                        <a:t>0x</a:t>
-                      </a:r>
-                      <a:r>
-                        <a:rPr lang="en-US" dirty="0" smtClean="0"/>
-                        <a:t>9ad9e71c - ret</a:t>
-                      </a:r>
-                      <a:endParaRPr lang="he-IL" sz="1800" b="0" dirty="0">
-                        <a:solidFill>
-                          <a:schemeClr val="tx1"/>
-                        </a:solidFill>
-                      </a:endParaRPr>
-                    </a:p>
-                  </a:txBody>
-                  <a:tcPr/>
-                </a:tc>
-              </a:tr>
-              <a:tr h="347511">
-                <a:tc>
-                  <a:txBody>
-                    <a:bodyPr/>
-                    <a:lstStyle/>
-                    <a:p>
-                      <a:pPr marL="0" marR="0" indent="0" algn="ctr" defTabSz="914400" rtl="0" eaLnBrk="1" fontAlgn="auto" latinLnBrk="0" hangingPunct="1">
+                      <a:pPr marL="0" marR="0" indent="0" algn="r" defTabSz="914400" rtl="0" eaLnBrk="1" fontAlgn="auto" latinLnBrk="0" hangingPunct="1">
                         <a:lnSpc>
-                          <a:spcPct val="100000"/>
+                          <a:spcPct val="107000"/>
                         </a:lnSpc>
                         <a:spcBef>
                           <a:spcPts val="0"/>
                         </a:spcBef>
                         <a:spcAft>
-                          <a:spcPts val="0"/>
+                          <a:spcPts val="800"/>
                         </a:spcAft>
                         <a:buClrTx/>
                         <a:buSzTx/>
@@ -3164,650 +3282,596 @@
                         <a:defRPr/>
                       </a:pPr>
                       <a:r>
-                        <a:rPr lang="en-US" sz="1800" dirty="0" smtClean="0">
-                          <a:solidFill>
-                            <a:schemeClr val="tx1"/>
-                          </a:solidFill>
+                        <a:rPr lang="en-US" sz="1400" kern="100" dirty="0" smtClean="0">
+                          <a:effectLst/>
                         </a:rPr>
-                        <a:t>0x</a:t>
+                        <a:t>0xDEADBEEF – pop </a:t>
                       </a:r>
                       <a:r>
-                        <a:rPr lang="en-US" dirty="0" smtClean="0">
-                          <a:solidFill>
-                            <a:schemeClr val="tx1"/>
-                          </a:solidFill>
-                        </a:rPr>
-                        <a:t>9ad9e71a -</a:t>
-                      </a:r>
-                      <a:r>
-                        <a:rPr lang="en-US" baseline="0" dirty="0" smtClean="0">
-                          <a:solidFill>
-                            <a:schemeClr val="tx1"/>
-                          </a:solidFill>
-                        </a:rPr>
-                        <a:t> pop</a:t>
-                      </a:r>
-                      <a:r>
-                        <a:rPr lang="en-US" dirty="0" smtClean="0">
-                          <a:solidFill>
-                            <a:schemeClr val="tx1"/>
-                          </a:solidFill>
-                        </a:rPr>
-                        <a:t> </a:t>
-                      </a:r>
-                      <a:r>
-                        <a:rPr lang="en-US" dirty="0" err="1" smtClean="0">
-                          <a:solidFill>
-                            <a:schemeClr val="tx1"/>
-                          </a:solidFill>
+                        <a:rPr lang="en-US" sz="1400" kern="100" dirty="0" err="1" smtClean="0">
+                          <a:effectLst/>
                         </a:rPr>
                         <a:t>ebx</a:t>
                       </a:r>
-                      <a:endParaRPr lang="he-IL" sz="1800" dirty="0" smtClean="0"/>
+                      <a:endParaRPr lang="en-US" sz="1400" kern="100" dirty="0">
+                        <a:effectLst/>
+                        <a:latin typeface="Calibri" panose="020F0502020204030204" pitchFamily="34" charset="0"/>
+                        <a:ea typeface="Calibri" panose="020F0502020204030204" pitchFamily="34" charset="0"/>
+                        <a:cs typeface="Arial" panose="020B0604020202020204" pitchFamily="34" charset="0"/>
+                      </a:endParaRPr>
                     </a:p>
                   </a:txBody>
-                  <a:tcPr/>
+                  <a:tcPr marL="62002" marR="62002" marT="31001" marB="31001"/>
                 </a:tc>
               </a:tr>
-              <a:tr h="347511">
+              <a:tr h="183638">
                 <a:tc>
                   <a:txBody>
                     <a:bodyPr/>
                     <a:lstStyle/>
                     <a:p>
-                      <a:pPr marL="0" marR="0" indent="0" algn="ctr" defTabSz="914400" rtl="0" eaLnBrk="1" fontAlgn="auto" latinLnBrk="0" hangingPunct="1">
+                      <a:pPr marL="0" marR="0" algn="r" rtl="0">
                         <a:lnSpc>
-                          <a:spcPct val="100000"/>
+                          <a:spcPct val="107000"/>
                         </a:lnSpc>
                         <a:spcBef>
                           <a:spcPts val="0"/>
                         </a:spcBef>
                         <a:spcAft>
-                          <a:spcPts val="0"/>
+                          <a:spcPts val="800"/>
                         </a:spcAft>
-                        <a:buClrTx/>
-                        <a:buSzTx/>
-                        <a:buFontTx/>
-                        <a:buNone/>
-                        <a:tabLst/>
-                        <a:defRPr/>
                       </a:pPr>
                       <a:r>
-                        <a:rPr lang="en-US" dirty="0" err="1" smtClean="0">
-                          <a:solidFill>
-                            <a:schemeClr val="tx1"/>
-                          </a:solidFill>
+                        <a:rPr lang="en-US" sz="1400" kern="100" dirty="0" smtClean="0">
+                          <a:effectLst/>
                         </a:rPr>
-                        <a:t>VirtualProtect_Address</a:t>
+                        <a:t>0x9ad9e700 - ret</a:t>
                       </a:r>
-                      <a:endParaRPr lang="he-IL" sz="1800" dirty="0" smtClean="0"/>
+                      <a:endParaRPr lang="en-US" sz="1400" kern="100" dirty="0">
+                        <a:effectLst/>
+                        <a:latin typeface="Calibri" panose="020F0502020204030204" pitchFamily="34" charset="0"/>
+                        <a:ea typeface="Calibri" panose="020F0502020204030204" pitchFamily="34" charset="0"/>
+                        <a:cs typeface="Arial" panose="020B0604020202020204" pitchFamily="34" charset="0"/>
+                      </a:endParaRPr>
                     </a:p>
+                  </a:txBody>
+                  <a:tcPr marL="62002" marR="62002" marT="31001" marB="31001"/>
+                </a:tc>
+              </a:tr>
+              <a:tr h="183638">
+                <a:tc>
+                  <a:txBody>
+                    <a:bodyPr/>
+                    <a:lstStyle/>
                     <a:p>
-                      <a:pPr marL="0" marR="0" indent="0" algn="ctr" defTabSz="914400" rtl="0" eaLnBrk="1" fontAlgn="auto" latinLnBrk="0" hangingPunct="1">
+                      <a:pPr marL="0" marR="0" algn="r" rtl="0">
                         <a:lnSpc>
-                          <a:spcPct val="100000"/>
+                          <a:spcPct val="107000"/>
                         </a:lnSpc>
                         <a:spcBef>
                           <a:spcPts val="0"/>
                         </a:spcBef>
                         <a:spcAft>
-                          <a:spcPts val="0"/>
+                          <a:spcPts val="800"/>
                         </a:spcAft>
-                        <a:buClrTx/>
-                        <a:buSzTx/>
-                        <a:buFontTx/>
-                        <a:buNone/>
-                        <a:tabLst/>
-                        <a:defRPr/>
                       </a:pPr>
                       <a:r>
-                        <a:rPr lang="en-US" dirty="0" smtClean="0">
-                          <a:solidFill>
-                            <a:schemeClr val="tx1"/>
-                          </a:solidFill>
+                        <a:rPr lang="en-US" sz="1400" kern="100" dirty="0" smtClean="0">
+                          <a:effectLst/>
                         </a:rPr>
-                        <a:t> - pop </a:t>
+                        <a:t>0x9ad9e704 </a:t>
                       </a:r>
                       <a:r>
-                        <a:rPr lang="en-US" dirty="0" err="1" smtClean="0">
-                          <a:solidFill>
-                            <a:schemeClr val="tx1"/>
-                          </a:solidFill>
+                        <a:rPr lang="en-US" sz="1400" kern="100" dirty="0" smtClean="0">
+                          <a:effectLst/>
                         </a:rPr>
-                        <a:t>ecx</a:t>
+                        <a:t>– pop </a:t>
                       </a:r>
-                      <a:endParaRPr lang="he-IL" sz="1800" dirty="0" smtClean="0"/>
+                      <a:r>
+                        <a:rPr lang="en-US" sz="1400" kern="100" dirty="0" err="1" smtClean="0">
+                          <a:effectLst/>
+                        </a:rPr>
+                        <a:t>edi</a:t>
+                      </a:r>
+                      <a:endParaRPr lang="en-US" sz="1400" kern="100" dirty="0">
+                        <a:effectLst/>
+                        <a:latin typeface="Calibri" panose="020F0502020204030204" pitchFamily="34" charset="0"/>
+                        <a:ea typeface="Calibri" panose="020F0502020204030204" pitchFamily="34" charset="0"/>
+                        <a:cs typeface="Arial" panose="020B0604020202020204" pitchFamily="34" charset="0"/>
+                      </a:endParaRPr>
                     </a:p>
                   </a:txBody>
-                  <a:tcPr/>
+                  <a:tcPr marL="62002" marR="62002" marT="31001" marB="31001"/>
                 </a:tc>
               </a:tr>
-              <a:tr h="347511">
+              <a:tr h="183638">
                 <a:tc>
                   <a:txBody>
                     <a:bodyPr/>
                     <a:lstStyle/>
                     <a:p>
-                      <a:pPr marL="0" marR="0" indent="0" algn="ctr" defTabSz="914400" rtl="0" eaLnBrk="1" fontAlgn="auto" latinLnBrk="0" hangingPunct="1">
+                      <a:pPr marL="0" marR="0" algn="r" rtl="0">
                         <a:lnSpc>
-                          <a:spcPct val="100000"/>
+                          <a:spcPct val="107000"/>
                         </a:lnSpc>
                         <a:spcBef>
                           <a:spcPts val="0"/>
                         </a:spcBef>
                         <a:spcAft>
-                          <a:spcPts val="0"/>
+                          <a:spcPts val="800"/>
                         </a:spcAft>
-                        <a:buClrTx/>
-                        <a:buSzTx/>
-                        <a:buFontTx/>
-                        <a:buNone/>
-                        <a:tabLst/>
-                        <a:defRPr/>
                       </a:pPr>
                       <a:r>
-                        <a:rPr lang="en-US" sz="1800" dirty="0" smtClean="0"/>
-                        <a:t>0xDEADBEEF –</a:t>
+                        <a:rPr lang="en-US" sz="1400" kern="100" dirty="0" smtClean="0">
+                          <a:effectLst/>
+                        </a:rPr>
+                        <a:t>0x9ad9e71a - ret</a:t>
                       </a:r>
-                      <a:r>
-                        <a:rPr lang="en-US" sz="1800" baseline="0" dirty="0" smtClean="0"/>
-                        <a:t> pop </a:t>
-                      </a:r>
-                      <a:r>
-                        <a:rPr lang="en-US" sz="1800" baseline="0" dirty="0" err="1" smtClean="0"/>
-                        <a:t>ebx</a:t>
-                      </a:r>
-                      <a:endParaRPr lang="he-IL" sz="1800" dirty="0" smtClean="0"/>
+                      <a:endParaRPr lang="en-US" sz="1400" kern="100" dirty="0">
+                        <a:effectLst/>
+                        <a:latin typeface="Calibri" panose="020F0502020204030204" pitchFamily="34" charset="0"/>
+                        <a:ea typeface="Calibri" panose="020F0502020204030204" pitchFamily="34" charset="0"/>
+                        <a:cs typeface="Arial" panose="020B0604020202020204" pitchFamily="34" charset="0"/>
+                      </a:endParaRPr>
                     </a:p>
                   </a:txBody>
-                  <a:tcPr/>
+                  <a:tcPr marL="62002" marR="62002" marT="31001" marB="31001"/>
                 </a:tc>
               </a:tr>
-              <a:tr h="347511">
+              <a:tr h="183638">
                 <a:tc>
                   <a:txBody>
                     <a:bodyPr/>
                     <a:lstStyle/>
                     <a:p>
-                      <a:pPr marL="0" marR="0" indent="0" algn="ctr" defTabSz="914400" rtl="0" eaLnBrk="1" fontAlgn="auto" latinLnBrk="0" hangingPunct="1">
+                      <a:pPr marL="0" marR="0" algn="r" rtl="0">
                         <a:lnSpc>
-                          <a:spcPct val="100000"/>
+                          <a:spcPct val="107000"/>
                         </a:lnSpc>
                         <a:spcBef>
                           <a:spcPts val="0"/>
                         </a:spcBef>
                         <a:spcAft>
-                          <a:spcPts val="0"/>
+                          <a:spcPts val="800"/>
                         </a:spcAft>
-                        <a:buClrTx/>
-                        <a:buSzTx/>
-                        <a:buFontTx/>
-                        <a:buNone/>
-                        <a:tabLst/>
-                        <a:defRPr/>
                       </a:pPr>
                       <a:r>
-                        <a:rPr lang="en-US" dirty="0" smtClean="0"/>
-                        <a:t>0x9ad9e700 - ret</a:t>
+                        <a:rPr lang="en-US" sz="1400" kern="100" dirty="0" smtClean="0">
+                          <a:effectLst/>
+                        </a:rPr>
+                        <a:t>0x9ad9e702 </a:t>
                       </a:r>
-                      <a:endParaRPr lang="he-IL" sz="1800" dirty="0" smtClean="0"/>
+                      <a:r>
+                        <a:rPr lang="en-US" sz="1400" kern="100" dirty="0" smtClean="0">
+                          <a:effectLst/>
+                        </a:rPr>
+                        <a:t>– pop </a:t>
+                      </a:r>
+                      <a:r>
+                        <a:rPr lang="en-US" sz="1400" kern="100" dirty="0" err="1" smtClean="0">
+                          <a:effectLst/>
+                        </a:rPr>
+                        <a:t>ebp</a:t>
+                      </a:r>
+                      <a:endParaRPr lang="en-US" sz="1400" kern="100" dirty="0">
+                        <a:effectLst/>
+                        <a:latin typeface="Calibri" panose="020F0502020204030204" pitchFamily="34" charset="0"/>
+                        <a:ea typeface="Calibri" panose="020F0502020204030204" pitchFamily="34" charset="0"/>
+                        <a:cs typeface="Arial" panose="020B0604020202020204" pitchFamily="34" charset="0"/>
+                      </a:endParaRPr>
                     </a:p>
                   </a:txBody>
-                  <a:tcPr/>
+                  <a:tcPr marL="62002" marR="62002" marT="31001" marB="31001"/>
                 </a:tc>
               </a:tr>
-              <a:tr h="347511">
+              <a:tr h="183638">
                 <a:tc>
                   <a:txBody>
                     <a:bodyPr/>
                     <a:lstStyle/>
                     <a:p>
-                      <a:pPr marL="0" marR="0" indent="0" algn="ctr" defTabSz="914400" rtl="0" eaLnBrk="1" fontAlgn="auto" latinLnBrk="0" hangingPunct="1">
+                      <a:pPr marL="0" marR="0" algn="r" rtl="0">
                         <a:lnSpc>
-                          <a:spcPct val="100000"/>
+                          <a:spcPct val="107000"/>
                         </a:lnSpc>
                         <a:spcBef>
                           <a:spcPts val="0"/>
                         </a:spcBef>
                         <a:spcAft>
-                          <a:spcPts val="0"/>
+                          <a:spcPts val="800"/>
                         </a:spcAft>
-                        <a:buClrTx/>
-                        <a:buSzTx/>
-                        <a:buFontTx/>
-                        <a:buNone/>
-                        <a:tabLst/>
-                        <a:defRPr/>
                       </a:pPr>
                       <a:r>
-                        <a:rPr lang="en-US" sz="1800" dirty="0" smtClean="0">
-                          <a:solidFill>
-                            <a:schemeClr val="tx1"/>
-                          </a:solidFill>
+                        <a:rPr lang="en-US" sz="1400" kern="100" dirty="0" smtClean="0">
+                          <a:effectLst/>
                         </a:rPr>
-                        <a:t>0x</a:t>
+                        <a:t>0x0000001B </a:t>
                       </a:r>
                       <a:r>
-                        <a:rPr lang="en-US" dirty="0" smtClean="0">
-                          <a:solidFill>
-                            <a:schemeClr val="tx1"/>
-                          </a:solidFill>
+                        <a:rPr lang="en-US" sz="1400" kern="100" dirty="0">
+                          <a:effectLst/>
                         </a:rPr>
-                        <a:t>9ad9e71a – pop </a:t>
+                        <a:t>– pop </a:t>
                       </a:r>
                       <a:r>
-                        <a:rPr lang="en-US" dirty="0" err="1" smtClean="0">
-                          <a:solidFill>
-                            <a:schemeClr val="tx1"/>
-                          </a:solidFill>
+                        <a:rPr lang="en-US" sz="1400" kern="100" dirty="0" err="1">
+                          <a:effectLst/>
                         </a:rPr>
-                        <a:t>edi</a:t>
+                        <a:t>ebx</a:t>
                       </a:r>
-                      <a:endParaRPr lang="he-IL" sz="1800" dirty="0" smtClean="0"/>
+                      <a:endParaRPr lang="en-US" sz="1400" kern="100" dirty="0">
+                        <a:effectLst/>
+                        <a:latin typeface="Calibri" panose="020F0502020204030204" pitchFamily="34" charset="0"/>
+                        <a:ea typeface="Calibri" panose="020F0502020204030204" pitchFamily="34" charset="0"/>
+                        <a:cs typeface="Arial" panose="020B0604020202020204" pitchFamily="34" charset="0"/>
+                      </a:endParaRPr>
                     </a:p>
                   </a:txBody>
-                  <a:tcPr/>
+                  <a:tcPr marL="62002" marR="62002" marT="31001" marB="31001"/>
                 </a:tc>
               </a:tr>
-              <a:tr h="347511">
+              <a:tr h="183638">
                 <a:tc>
                   <a:txBody>
                     <a:bodyPr/>
                     <a:lstStyle/>
                     <a:p>
-                      <a:pPr marL="0" marR="0" indent="0" algn="ctr" defTabSz="914400" rtl="0" eaLnBrk="1" fontAlgn="auto" latinLnBrk="0" hangingPunct="1">
+                      <a:pPr marL="0" marR="0" algn="r" rtl="0">
                         <a:lnSpc>
-                          <a:spcPct val="100000"/>
+                          <a:spcPct val="107000"/>
                         </a:lnSpc>
                         <a:spcBef>
                           <a:spcPts val="0"/>
                         </a:spcBef>
                         <a:spcAft>
-                          <a:spcPts val="0"/>
+                          <a:spcPts val="800"/>
                         </a:spcAft>
-                        <a:buClrTx/>
-                        <a:buSzTx/>
-                        <a:buFontTx/>
-                        <a:buNone/>
-                        <a:tabLst/>
-                        <a:defRPr/>
                       </a:pPr>
                       <a:r>
-                        <a:rPr lang="en-US" sz="1800" dirty="0" smtClean="0">
-                          <a:solidFill>
-                            <a:schemeClr val="tx1"/>
-                          </a:solidFill>
+                        <a:rPr lang="en-US" sz="1400" kern="100" dirty="0">
+                          <a:effectLst/>
                         </a:rPr>
-                        <a:t>0x</a:t>
+                        <a:t>0x9ad9e713 - ret</a:t>
                       </a:r>
-                      <a:r>
-                        <a:rPr lang="en-US" dirty="0" smtClean="0">
-                          <a:solidFill>
-                            <a:schemeClr val="tx1"/>
-                          </a:solidFill>
-                        </a:rPr>
-                        <a:t>9ad9e71a - ret</a:t>
-                      </a:r>
-                      <a:endParaRPr lang="he-IL" sz="1800" dirty="0" smtClean="0">
-                        <a:solidFill>
-                          <a:schemeClr val="tx1"/>
-                        </a:solidFill>
+                      <a:endParaRPr lang="en-US" sz="1400" kern="100" dirty="0">
+                        <a:effectLst/>
+                        <a:latin typeface="Calibri" panose="020F0502020204030204" pitchFamily="34" charset="0"/>
+                        <a:ea typeface="Calibri" panose="020F0502020204030204" pitchFamily="34" charset="0"/>
+                        <a:cs typeface="Arial" panose="020B0604020202020204" pitchFamily="34" charset="0"/>
                       </a:endParaRPr>
                     </a:p>
                   </a:txBody>
-                  <a:tcPr/>
+                  <a:tcPr marL="62002" marR="62002" marT="31001" marB="31001"/>
                 </a:tc>
               </a:tr>
-              <a:tr h="347511">
+              <a:tr h="183638">
                 <a:tc>
                   <a:txBody>
                     <a:bodyPr/>
                     <a:lstStyle/>
                     <a:p>
-                      <a:pPr marL="0" marR="0" indent="0" algn="ctr" defTabSz="914400" rtl="0" eaLnBrk="1" fontAlgn="auto" latinLnBrk="0" hangingPunct="1">
+                      <a:pPr marL="0" marR="0" algn="r" rtl="0">
                         <a:lnSpc>
-                          <a:spcPct val="100000"/>
+                          <a:spcPct val="107000"/>
                         </a:lnSpc>
                         <a:spcBef>
                           <a:spcPts val="0"/>
                         </a:spcBef>
                         <a:spcAft>
-                          <a:spcPts val="0"/>
+                          <a:spcPts val="800"/>
                         </a:spcAft>
-                        <a:buClrTx/>
-                        <a:buSzTx/>
-                        <a:buFontTx/>
-                        <a:buNone/>
-                        <a:tabLst/>
-                        <a:defRPr/>
                       </a:pPr>
                       <a:r>
-                        <a:rPr lang="en-US" dirty="0" smtClean="0">
-                          <a:solidFill>
-                            <a:srgbClr val="FF0000"/>
-                          </a:solidFill>
+                        <a:rPr lang="en-US" sz="1400" kern="100" dirty="0">
+                          <a:effectLst/>
                         </a:rPr>
-                        <a:t>0x9ad9e71a – pop </a:t>
+                        <a:t>0x9ad9e716 - ret</a:t>
                       </a:r>
-                      <a:r>
-                        <a:rPr lang="en-US" dirty="0" err="1" smtClean="0">
-                          <a:solidFill>
-                            <a:srgbClr val="FF0000"/>
-                          </a:solidFill>
-                        </a:rPr>
-                        <a:t>ebp</a:t>
-                      </a:r>
-                      <a:endParaRPr lang="he-IL" sz="1800" dirty="0" smtClean="0">
-                        <a:solidFill>
-                          <a:srgbClr val="FF0000"/>
-                        </a:solidFill>
+                      <a:endParaRPr lang="en-US" sz="1400" kern="100" dirty="0">
+                        <a:effectLst/>
+                        <a:latin typeface="Calibri" panose="020F0502020204030204" pitchFamily="34" charset="0"/>
+                        <a:ea typeface="Calibri" panose="020F0502020204030204" pitchFamily="34" charset="0"/>
+                        <a:cs typeface="Arial" panose="020B0604020202020204" pitchFamily="34" charset="0"/>
                       </a:endParaRPr>
                     </a:p>
                   </a:txBody>
-                  <a:tcPr/>
+                  <a:tcPr marL="62002" marR="62002" marT="31001" marB="31001"/>
                 </a:tc>
               </a:tr>
-              <a:tr h="347511">
+              <a:tr h="183638">
                 <a:tc>
                   <a:txBody>
                     <a:bodyPr/>
                     <a:lstStyle/>
                     <a:p>
-                      <a:pPr algn="ctr" rtl="0"/>
+                      <a:pPr marL="0" marR="0" algn="r" rtl="0">
+                        <a:lnSpc>
+                          <a:spcPct val="107000"/>
+                        </a:lnSpc>
+                        <a:spcBef>
+                          <a:spcPts val="0"/>
+                        </a:spcBef>
+                        <a:spcAft>
+                          <a:spcPts val="800"/>
+                        </a:spcAft>
+                      </a:pPr>
                       <a:r>
-                        <a:rPr lang="en-US" sz="1800" dirty="0" smtClean="0"/>
-                        <a:t>0x0000001B – pop</a:t>
+                        <a:rPr lang="en-US" sz="1400" kern="100" dirty="0">
+                          <a:effectLst/>
+                        </a:rPr>
+                        <a:t>0xDEADBEEF – pop </a:t>
                       </a:r>
                       <a:r>
-                        <a:rPr lang="en-US" sz="1800" baseline="0" dirty="0" smtClean="0"/>
-                        <a:t> </a:t>
-                      </a:r>
-                      <a:r>
-                        <a:rPr lang="en-US" sz="1800" baseline="0" dirty="0" err="1" smtClean="0"/>
+                        <a:rPr lang="en-US" sz="1400" kern="100" dirty="0" err="1">
+                          <a:effectLst/>
+                        </a:rPr>
                         <a:t>ebx</a:t>
                       </a:r>
-                      <a:endParaRPr lang="he-IL" sz="1800" dirty="0"/>
+                      <a:endParaRPr lang="en-US" sz="1400" kern="100" dirty="0">
+                        <a:effectLst/>
+                        <a:latin typeface="Calibri" panose="020F0502020204030204" pitchFamily="34" charset="0"/>
+                        <a:ea typeface="Calibri" panose="020F0502020204030204" pitchFamily="34" charset="0"/>
+                        <a:cs typeface="Arial" panose="020B0604020202020204" pitchFamily="34" charset="0"/>
+                      </a:endParaRPr>
                     </a:p>
                   </a:txBody>
-                  <a:tcPr/>
+                  <a:tcPr marL="62002" marR="62002" marT="31001" marB="31001"/>
                 </a:tc>
               </a:tr>
-              <a:tr h="347511">
+              <a:tr h="183638">
                 <a:tc>
                   <a:txBody>
                     <a:bodyPr/>
                     <a:lstStyle/>
                     <a:p>
-                      <a:pPr algn="ctr" rtl="0"/>
+                      <a:pPr marL="0" marR="0" algn="r" rtl="0">
+                        <a:lnSpc>
+                          <a:spcPct val="107000"/>
+                        </a:lnSpc>
+                        <a:spcBef>
+                          <a:spcPts val="0"/>
+                        </a:spcBef>
+                        <a:spcAft>
+                          <a:spcPts val="800"/>
+                        </a:spcAft>
+                      </a:pPr>
                       <a:r>
-                        <a:rPr lang="en-US" sz="1800" dirty="0" smtClean="0"/>
-                        <a:t>0x</a:t>
+                        <a:rPr lang="en-US" sz="1400" kern="100" dirty="0">
+                          <a:effectLst/>
+                        </a:rPr>
+                        <a:t>0xDEADBEEF – pop </a:t>
                       </a:r>
                       <a:r>
-                        <a:rPr lang="en-US" dirty="0" smtClean="0"/>
-                        <a:t>9ad9e713 - ret</a:t>
+                        <a:rPr lang="en-US" sz="1400" kern="100" dirty="0" err="1">
+                          <a:effectLst/>
+                        </a:rPr>
+                        <a:t>ecx</a:t>
                       </a:r>
-                      <a:endParaRPr lang="he-IL" sz="1800" dirty="0"/>
+                      <a:endParaRPr lang="en-US" sz="1400" kern="100" dirty="0">
+                        <a:effectLst/>
+                        <a:latin typeface="Calibri" panose="020F0502020204030204" pitchFamily="34" charset="0"/>
+                        <a:ea typeface="Calibri" panose="020F0502020204030204" pitchFamily="34" charset="0"/>
+                        <a:cs typeface="Arial" panose="020B0604020202020204" pitchFamily="34" charset="0"/>
+                      </a:endParaRPr>
                     </a:p>
                   </a:txBody>
-                  <a:tcPr/>
+                  <a:tcPr marL="62002" marR="62002" marT="31001" marB="31001"/>
                 </a:tc>
               </a:tr>
-              <a:tr h="347511">
+              <a:tr h="183638">
                 <a:tc>
                   <a:txBody>
                     <a:bodyPr/>
                     <a:lstStyle/>
                     <a:p>
-                      <a:pPr algn="ctr" rtl="0"/>
+                      <a:pPr marL="0" marR="0" algn="r" rtl="0">
+                        <a:lnSpc>
+                          <a:spcPct val="107000"/>
+                        </a:lnSpc>
+                        <a:spcBef>
+                          <a:spcPts val="0"/>
+                        </a:spcBef>
+                        <a:spcAft>
+                          <a:spcPts val="800"/>
+                        </a:spcAft>
+                      </a:pPr>
                       <a:r>
-                        <a:rPr lang="en-US" sz="1800" dirty="0" smtClean="0"/>
-                        <a:t>0x9ad9e716 - ret</a:t>
+                        <a:rPr lang="en-US" sz="1400" kern="100" dirty="0">
+                          <a:effectLst/>
+                        </a:rPr>
+                        <a:t>0xDEADBEEF – pop </a:t>
                       </a:r>
-                      <a:endParaRPr lang="he-IL" sz="1800" dirty="0"/>
+                      <a:r>
+                        <a:rPr lang="en-US" sz="1400" kern="100" dirty="0" err="1">
+                          <a:effectLst/>
+                        </a:rPr>
+                        <a:t>ebx</a:t>
+                      </a:r>
+                      <a:endParaRPr lang="en-US" sz="1400" kern="100" dirty="0">
+                        <a:effectLst/>
+                        <a:latin typeface="Calibri" panose="020F0502020204030204" pitchFamily="34" charset="0"/>
+                        <a:ea typeface="Calibri" panose="020F0502020204030204" pitchFamily="34" charset="0"/>
+                        <a:cs typeface="Arial" panose="020B0604020202020204" pitchFamily="34" charset="0"/>
+                      </a:endParaRPr>
                     </a:p>
                   </a:txBody>
-                  <a:tcPr/>
+                  <a:tcPr marL="62002" marR="62002" marT="31001" marB="31001"/>
                 </a:tc>
               </a:tr>
-              <a:tr h="347511">
+              <a:tr h="183638">
                 <a:tc>
                   <a:txBody>
                     <a:bodyPr/>
                     <a:lstStyle/>
                     <a:p>
-                      <a:pPr marL="0" marR="0" indent="0" algn="ctr" defTabSz="914400" rtl="0" eaLnBrk="1" fontAlgn="auto" latinLnBrk="0" hangingPunct="1">
+                      <a:pPr marL="0" marR="0" algn="r" rtl="0">
                         <a:lnSpc>
-                          <a:spcPct val="100000"/>
+                          <a:spcPct val="107000"/>
                         </a:lnSpc>
                         <a:spcBef>
                           <a:spcPts val="0"/>
                         </a:spcBef>
                         <a:spcAft>
-                          <a:spcPts val="0"/>
+                          <a:spcPts val="800"/>
                         </a:spcAft>
-                        <a:buClrTx/>
-                        <a:buSzTx/>
-                        <a:buFontTx/>
-                        <a:buNone/>
-                        <a:tabLst/>
-                        <a:defRPr/>
                       </a:pPr>
                       <a:r>
-                        <a:rPr lang="en-US" sz="1800" dirty="0" smtClean="0"/>
-                        <a:t>0xDEADBEEF – pop </a:t>
+                        <a:rPr lang="en-US" sz="1400" kern="100" dirty="0">
+                          <a:effectLst/>
+                        </a:rPr>
+                        <a:t>0x9ad9e700 - ret</a:t>
                       </a:r>
-                      <a:r>
-                        <a:rPr lang="en-US" sz="1800" dirty="0" err="1" smtClean="0"/>
-                        <a:t>ebx</a:t>
-                      </a:r>
-                      <a:endParaRPr lang="he-IL" sz="1800" dirty="0" smtClean="0"/>
+                      <a:endParaRPr lang="en-US" sz="1400" kern="100" dirty="0">
+                        <a:effectLst/>
+                        <a:latin typeface="Calibri" panose="020F0502020204030204" pitchFamily="34" charset="0"/>
+                        <a:ea typeface="Calibri" panose="020F0502020204030204" pitchFamily="34" charset="0"/>
+                        <a:cs typeface="Arial" panose="020B0604020202020204" pitchFamily="34" charset="0"/>
+                      </a:endParaRPr>
                     </a:p>
                   </a:txBody>
-                  <a:tcPr/>
+                  <a:tcPr marL="62002" marR="62002" marT="31001" marB="31001"/>
                 </a:tc>
               </a:tr>
-              <a:tr h="347511">
+              <a:tr h="183638">
                 <a:tc>
                   <a:txBody>
                     <a:bodyPr/>
                     <a:lstStyle/>
                     <a:p>
-                      <a:pPr marL="0" marR="0" indent="0" algn="ctr" defTabSz="914400" rtl="0" eaLnBrk="1" fontAlgn="auto" latinLnBrk="0" hangingPunct="1">
+                      <a:pPr marL="0" marR="0" algn="r" rtl="0">
                         <a:lnSpc>
-                          <a:spcPct val="100000"/>
+                          <a:spcPct val="107000"/>
                         </a:lnSpc>
                         <a:spcBef>
                           <a:spcPts val="0"/>
                         </a:spcBef>
                         <a:spcAft>
-                          <a:spcPts val="0"/>
+                          <a:spcPts val="800"/>
                         </a:spcAft>
-                        <a:buClrTx/>
-                        <a:buSzTx/>
-                        <a:buFontTx/>
-                        <a:buNone/>
-                        <a:tabLst/>
-                        <a:defRPr/>
                       </a:pPr>
                       <a:r>
-                        <a:rPr lang="en-US" sz="1800" dirty="0" smtClean="0"/>
+                        <a:rPr lang="en-US" sz="1400" kern="100" dirty="0">
+                          <a:effectLst/>
+                        </a:rPr>
                         <a:t>0xDEADBEEF – pop </a:t>
                       </a:r>
                       <a:r>
-                        <a:rPr lang="en-US" sz="1800" dirty="0" err="1" smtClean="0"/>
-                        <a:t>ecx</a:t>
+                        <a:rPr lang="en-US" sz="1400" kern="100" dirty="0" err="1">
+                          <a:effectLst/>
+                        </a:rPr>
+                        <a:t>ebp</a:t>
                       </a:r>
-                      <a:endParaRPr lang="he-IL" sz="1800" dirty="0" smtClean="0"/>
+                      <a:endParaRPr lang="en-US" sz="1400" kern="100" dirty="0">
+                        <a:effectLst/>
+                        <a:latin typeface="Calibri" panose="020F0502020204030204" pitchFamily="34" charset="0"/>
+                        <a:ea typeface="Calibri" panose="020F0502020204030204" pitchFamily="34" charset="0"/>
+                        <a:cs typeface="Arial" panose="020B0604020202020204" pitchFamily="34" charset="0"/>
+                      </a:endParaRPr>
                     </a:p>
                   </a:txBody>
-                  <a:tcPr/>
+                  <a:tcPr marL="62002" marR="62002" marT="31001" marB="31001"/>
                 </a:tc>
               </a:tr>
-              <a:tr h="347511">
+              <a:tr h="183638">
                 <a:tc>
                   <a:txBody>
                     <a:bodyPr/>
                     <a:lstStyle/>
                     <a:p>
-                      <a:pPr marL="0" marR="0" indent="0" algn="ctr" defTabSz="914400" rtl="0" eaLnBrk="1" fontAlgn="auto" latinLnBrk="0" hangingPunct="1">
+                      <a:pPr marL="0" marR="0" algn="r" rtl="0">
                         <a:lnSpc>
-                          <a:spcPct val="100000"/>
+                          <a:spcPct val="107000"/>
                         </a:lnSpc>
                         <a:spcBef>
                           <a:spcPts val="0"/>
                         </a:spcBef>
                         <a:spcAft>
-                          <a:spcPts val="0"/>
+                          <a:spcPts val="800"/>
                         </a:spcAft>
-                        <a:buClrTx/>
-                        <a:buSzTx/>
-                        <a:buFontTx/>
-                        <a:buNone/>
-                        <a:tabLst/>
-                        <a:defRPr/>
                       </a:pPr>
                       <a:r>
-                        <a:rPr lang="en-US" sz="1800" dirty="0" smtClean="0"/>
-                        <a:t>0xDEADBEEF –</a:t>
+                        <a:rPr lang="en-US" sz="1400" kern="100">
+                          <a:effectLst/>
+                        </a:rPr>
+                        <a:t>0x70707061 – pop ebx</a:t>
                       </a:r>
-                      <a:r>
-                        <a:rPr lang="en-US" sz="1800" baseline="0" dirty="0" smtClean="0"/>
-                        <a:t> pop </a:t>
-                      </a:r>
-                      <a:r>
-                        <a:rPr lang="en-US" sz="1800" baseline="0" dirty="0" err="1" smtClean="0"/>
-                        <a:t>ebx</a:t>
-                      </a:r>
-                      <a:endParaRPr lang="he-IL" sz="1800" dirty="0" smtClean="0"/>
+                      <a:endParaRPr lang="en-US" sz="1400" kern="100">
+                        <a:effectLst/>
+                        <a:latin typeface="Calibri" panose="020F0502020204030204" pitchFamily="34" charset="0"/>
+                        <a:ea typeface="Calibri" panose="020F0502020204030204" pitchFamily="34" charset="0"/>
+                        <a:cs typeface="Arial" panose="020B0604020202020204" pitchFamily="34" charset="0"/>
+                      </a:endParaRPr>
                     </a:p>
                   </a:txBody>
-                  <a:tcPr/>
+                  <a:tcPr marL="62002" marR="62002" marT="31001" marB="31001"/>
                 </a:tc>
               </a:tr>
-              <a:tr h="347511">
+              <a:tr h="183638">
                 <a:tc>
                   <a:txBody>
                     <a:bodyPr/>
                     <a:lstStyle/>
                     <a:p>
-                      <a:pPr algn="ctr" rtl="0"/>
+                      <a:pPr marL="0" marR="0" algn="r" rtl="0">
+                        <a:lnSpc>
+                          <a:spcPct val="107000"/>
+                        </a:lnSpc>
+                        <a:spcBef>
+                          <a:spcPts val="0"/>
+                        </a:spcBef>
+                        <a:spcAft>
+                          <a:spcPts val="800"/>
+                        </a:spcAft>
+                      </a:pPr>
                       <a:r>
-                        <a:rPr lang="en-US" sz="1800" dirty="0" smtClean="0"/>
-                        <a:t>0x9ad9e700 - ret</a:t>
+                        <a:rPr lang="en-US" sz="1400" kern="100">
+                          <a:effectLst/>
+                        </a:rPr>
+                        <a:t>0x9ad9e713 - ret</a:t>
                       </a:r>
-                      <a:endParaRPr lang="he-IL" sz="1800" dirty="0"/>
+                      <a:endParaRPr lang="en-US" sz="1400" kern="100">
+                        <a:effectLst/>
+                        <a:latin typeface="Calibri" panose="020F0502020204030204" pitchFamily="34" charset="0"/>
+                        <a:ea typeface="Calibri" panose="020F0502020204030204" pitchFamily="34" charset="0"/>
+                        <a:cs typeface="Arial" panose="020B0604020202020204" pitchFamily="34" charset="0"/>
+                      </a:endParaRPr>
                     </a:p>
                   </a:txBody>
-                  <a:tcPr/>
+                  <a:tcPr marL="62002" marR="62002" marT="31001" marB="31001"/>
                 </a:tc>
               </a:tr>
-              <a:tr h="347511">
+              <a:tr h="235521">
                 <a:tc>
                   <a:txBody>
                     <a:bodyPr/>
                     <a:lstStyle/>
                     <a:p>
-                      <a:pPr marL="0" marR="0" indent="0" algn="ctr" defTabSz="914400" rtl="0" eaLnBrk="1" fontAlgn="auto" latinLnBrk="0" hangingPunct="1">
+                      <a:pPr marL="0" marR="0" algn="r" rtl="0">
                         <a:lnSpc>
-                          <a:spcPct val="100000"/>
+                          <a:spcPct val="107000"/>
                         </a:lnSpc>
                         <a:spcBef>
                           <a:spcPts val="0"/>
                         </a:spcBef>
                         <a:spcAft>
-                          <a:spcPts val="0"/>
+                          <a:spcPts val="800"/>
                         </a:spcAft>
-                        <a:buClrTx/>
-                        <a:buSzTx/>
-                        <a:buFontTx/>
-                        <a:buNone/>
-                        <a:tabLst/>
-                        <a:defRPr/>
                       </a:pPr>
                       <a:r>
-                        <a:rPr lang="en-US" sz="1800" dirty="0" smtClean="0"/>
-                        <a:t>0xDEADBEEF –</a:t>
+                        <a:rPr lang="en-US" sz="1400" kern="100" dirty="0">
+                          <a:effectLst/>
+                        </a:rPr>
+                        <a:t>0x9ad9e706 - ret</a:t>
                       </a:r>
-                      <a:r>
-                        <a:rPr lang="en-US" sz="1800" baseline="0" dirty="0" smtClean="0"/>
-                        <a:t> pop </a:t>
-                      </a:r>
-                      <a:r>
-                        <a:rPr lang="en-US" sz="1800" baseline="0" dirty="0" err="1" smtClean="0"/>
-                        <a:t>ebp</a:t>
-                      </a:r>
-                      <a:endParaRPr lang="he-IL" sz="1800" dirty="0" smtClean="0"/>
-                    </a:p>
-                  </a:txBody>
-                  <a:tcPr/>
-                </a:tc>
-              </a:tr>
-              <a:tr h="347511">
-                <a:tc>
-                  <a:txBody>
-                    <a:bodyPr/>
-                    <a:lstStyle/>
-                    <a:p>
-                      <a:pPr algn="ctr" rtl="0"/>
-                      <a:r>
-                        <a:rPr lang="en-US" sz="1800" dirty="0" smtClean="0">
-                          <a:solidFill>
-                            <a:srgbClr val="FF0000"/>
-                          </a:solidFill>
-                        </a:rPr>
-                        <a:t>0x70707061 – pop </a:t>
-                      </a:r>
-                      <a:r>
-                        <a:rPr lang="en-US" sz="1800" dirty="0" err="1" smtClean="0">
-                          <a:solidFill>
-                            <a:srgbClr val="FF0000"/>
-                          </a:solidFill>
-                        </a:rPr>
-                        <a:t>ebx</a:t>
-                      </a:r>
-                      <a:endParaRPr lang="he-IL" sz="1800" dirty="0">
-                        <a:solidFill>
-                          <a:srgbClr val="FF0000"/>
-                        </a:solidFill>
+                      <a:endParaRPr lang="en-US" sz="1400" kern="100" dirty="0">
+                        <a:effectLst/>
+                        <a:latin typeface="Calibri" panose="020F0502020204030204" pitchFamily="34" charset="0"/>
+                        <a:ea typeface="Calibri" panose="020F0502020204030204" pitchFamily="34" charset="0"/>
+                        <a:cs typeface="Arial" panose="020B0604020202020204" pitchFamily="34" charset="0"/>
                       </a:endParaRPr>
                     </a:p>
                   </a:txBody>
-                  <a:tcPr/>
-                </a:tc>
-              </a:tr>
-              <a:tr h="347511">
-                <a:tc>
-                  <a:txBody>
-                    <a:bodyPr/>
-                    <a:lstStyle/>
-                    <a:p>
-                      <a:pPr algn="ctr" rtl="0"/>
-                      <a:r>
-                        <a:rPr lang="en-US" sz="1800" dirty="0" smtClean="0"/>
-                        <a:t>0x9ad9e713 - ret</a:t>
-                      </a:r>
-                      <a:endParaRPr lang="he-IL" sz="1800" dirty="0"/>
-                    </a:p>
-                  </a:txBody>
-                  <a:tcPr/>
-                </a:tc>
-              </a:tr>
-              <a:tr h="347511">
-                <a:tc>
-                  <a:txBody>
-                    <a:bodyPr/>
-                    <a:lstStyle/>
-                    <a:p>
-                      <a:pPr algn="ctr" rtl="0"/>
-                      <a:r>
-                        <a:rPr lang="en-US" sz="1800" dirty="0" smtClean="0"/>
-                        <a:t>0x9ad9e706 - ret</a:t>
-                      </a:r>
-                      <a:endParaRPr lang="he-IL" sz="1800" dirty="0"/>
-                    </a:p>
-                  </a:txBody>
-                  <a:tcPr/>
+                  <a:tcPr marL="62002" marR="62002" marT="31001" marB="31001"/>
                 </a:tc>
               </a:tr>
             </a:tbl>
